--- a/ppt/学习总结-20221106.pptx
+++ b/ppt/学习总结-20221106.pptx
@@ -802,7 +802,7 @@
           <a:p>
             <a:fld id="{48A87A34-81AB-432B-8DAE-1953F412C126}" type="datetimeFigureOut">
               <a:rPr lang="en-US" dirty="0"/>
-              <a:t>10/29/2022</a:t>
+              <a:t>11/5/2022</a:t>
             </a:fld>
             <a:endParaRPr lang="en-US" dirty="0"/>
           </a:p>
@@ -1010,7 +1010,7 @@
           <a:p>
             <a:fld id="{48A87A34-81AB-432B-8DAE-1953F412C126}" type="datetimeFigureOut">
               <a:rPr lang="en-US" dirty="0"/>
-              <a:t>10/29/2022</a:t>
+              <a:t>11/5/2022</a:t>
             </a:fld>
             <a:endParaRPr lang="en-US" dirty="0"/>
           </a:p>
@@ -1220,7 +1220,7 @@
           <a:p>
             <a:fld id="{48A87A34-81AB-432B-8DAE-1953F412C126}" type="datetimeFigureOut">
               <a:rPr lang="en-US" dirty="0"/>
-              <a:t>10/29/2022</a:t>
+              <a:t>11/5/2022</a:t>
             </a:fld>
             <a:endParaRPr lang="en-US" dirty="0"/>
           </a:p>
@@ -1418,7 +1418,7 @@
           <a:p>
             <a:fld id="{48A87A34-81AB-432B-8DAE-1953F412C126}" type="datetimeFigureOut">
               <a:rPr lang="en-US" dirty="0"/>
-              <a:t>10/29/2022</a:t>
+              <a:t>11/5/2022</a:t>
             </a:fld>
             <a:endParaRPr lang="en-US" dirty="0"/>
           </a:p>
@@ -1694,7 +1694,7 @@
           <a:p>
             <a:fld id="{48A87A34-81AB-432B-8DAE-1953F412C126}" type="datetimeFigureOut">
               <a:rPr lang="en-US" dirty="0"/>
-              <a:t>10/29/2022</a:t>
+              <a:t>11/5/2022</a:t>
             </a:fld>
             <a:endParaRPr lang="en-US" dirty="0"/>
           </a:p>
@@ -1959,7 +1959,7 @@
           <a:p>
             <a:fld id="{48A87A34-81AB-432B-8DAE-1953F412C126}" type="datetimeFigureOut">
               <a:rPr lang="en-US" dirty="0"/>
-              <a:t>10/29/2022</a:t>
+              <a:t>11/5/2022</a:t>
             </a:fld>
             <a:endParaRPr lang="en-US" dirty="0"/>
           </a:p>
@@ -2372,7 +2372,7 @@
           <a:p>
             <a:fld id="{48A87A34-81AB-432B-8DAE-1953F412C126}" type="datetimeFigureOut">
               <a:rPr lang="en-US" dirty="0"/>
-              <a:t>10/29/2022</a:t>
+              <a:t>11/5/2022</a:t>
             </a:fld>
             <a:endParaRPr lang="en-US" dirty="0"/>
           </a:p>
@@ -2518,7 +2518,7 @@
           <a:p>
             <a:fld id="{48A87A34-81AB-432B-8DAE-1953F412C126}" type="datetimeFigureOut">
               <a:rPr lang="en-US" dirty="0"/>
-              <a:t>10/29/2022</a:t>
+              <a:t>11/5/2022</a:t>
             </a:fld>
             <a:endParaRPr lang="en-US" dirty="0"/>
           </a:p>
@@ -2641,7 +2641,7 @@
           <a:p>
             <a:fld id="{48A87A34-81AB-432B-8DAE-1953F412C126}" type="datetimeFigureOut">
               <a:rPr lang="en-US" dirty="0"/>
-              <a:t>10/29/2022</a:t>
+              <a:t>11/5/2022</a:t>
             </a:fld>
             <a:endParaRPr lang="en-US" dirty="0"/>
           </a:p>
@@ -2887,7 +2887,7 @@
           <a:p>
             <a:fld id="{48A87A34-81AB-432B-8DAE-1953F412C126}" type="datetimeFigureOut">
               <a:rPr lang="en-US" dirty="0"/>
-              <a:t>10/29/2022</a:t>
+              <a:t>11/5/2022</a:t>
             </a:fld>
             <a:endParaRPr lang="en-US" dirty="0"/>
           </a:p>
@@ -3327,7 +3327,7 @@
           <a:p>
             <a:fld id="{48A87A34-81AB-432B-8DAE-1953F412C126}" type="datetimeFigureOut">
               <a:rPr lang="en-US" dirty="0"/>
-              <a:t>10/29/2022</a:t>
+              <a:t>11/5/2022</a:t>
             </a:fld>
             <a:endParaRPr lang="en-US" dirty="0"/>
           </a:p>
@@ -3646,7 +3646,7 @@
           <a:p>
             <a:fld id="{48A87A34-81AB-432B-8DAE-1953F412C126}" type="datetimeFigureOut">
               <a:rPr lang="en-US" dirty="0"/>
-              <a:t>10/29/2022</a:t>
+              <a:t>11/5/2022</a:t>
             </a:fld>
             <a:endParaRPr lang="en-US" dirty="0"/>
           </a:p>
@@ -4184,7 +4184,7 @@
             <a:pPr algn="r"/>
             <a:r>
               <a:rPr lang="en-US" altLang="zh-CN" dirty="0"/>
-              <a:t>2022.10.30</a:t>
+              <a:t>2022.11.06</a:t>
             </a:r>
             <a:endParaRPr lang="zh-CN" altLang="en-US" dirty="0"/>
           </a:p>
@@ -4280,7 +4280,7 @@
             </a:r>
             <a:r>
               <a:rPr lang="zh-CN" altLang="en-US" dirty="0"/>
-              <a:t>使用深度学习的</a:t>
+              <a:t>在</a:t>
             </a:r>
             <a:r>
               <a:rPr lang="en-US" altLang="zh-CN" dirty="0"/>
@@ -4288,7 +4288,15 @@
             </a:r>
             <a:r>
               <a:rPr lang="zh-CN" altLang="en-US" dirty="0"/>
-              <a:t>基因编辑中的脱靶预测</a:t>
+              <a:t>基因编辑中用新的</a:t>
+            </a:r>
+            <a:r>
+              <a:rPr lang="en-US" altLang="zh-CN" dirty="0"/>
+              <a:t>sgRNA-DNA</a:t>
+            </a:r>
+            <a:r>
+              <a:rPr lang="zh-CN" altLang="en-US" dirty="0"/>
+              <a:t>序列编码进行精准深度学习脱靶预测</a:t>
             </a:r>
             <a:r>
               <a:rPr lang="zh-CN" altLang="zh-CN" dirty="0"/>
@@ -4351,7 +4359,7 @@
           <a:p>
             <a:r>
               <a:rPr lang="zh-CN" altLang="en-US" dirty="0"/>
-              <a:t>使用深度学习的</a:t>
+              <a:t>在</a:t>
             </a:r>
             <a:r>
               <a:rPr lang="en-US" altLang="zh-CN" dirty="0"/>
@@ -4359,41 +4367,19 @@
             </a:r>
             <a:r>
               <a:rPr lang="zh-CN" altLang="en-US" dirty="0"/>
-              <a:t>基因编辑中的脱靶预测</a:t>
-            </a:r>
-          </a:p>
-        </p:txBody>
-      </p:sp>
-      <p:pic>
-        <p:nvPicPr>
-          <p:cNvPr id="6" name="图片 5">
-            <a:extLst>
-              <a:ext uri="{FF2B5EF4-FFF2-40B4-BE49-F238E27FC236}">
-                <a16:creationId xmlns:a16="http://schemas.microsoft.com/office/drawing/2014/main" id="{3E72CF50-C000-7F36-FBD4-CF9A88B4AFB3}"/>
-              </a:ext>
-            </a:extLst>
-          </p:cNvPr>
-          <p:cNvPicPr>
-            <a:picLocks noChangeAspect="1"/>
-          </p:cNvPicPr>
-          <p:nvPr/>
-        </p:nvPicPr>
-        <p:blipFill>
-          <a:blip r:embed="rId2"/>
-          <a:stretch>
-            <a:fillRect/>
-          </a:stretch>
-        </p:blipFill>
-        <p:spPr>
-          <a:xfrm>
-            <a:off x="974341" y="1876927"/>
-            <a:ext cx="2737696" cy="4403558"/>
-          </a:xfrm>
-          <a:prstGeom prst="rect">
-            <a:avLst/>
-          </a:prstGeom>
-        </p:spPr>
-      </p:pic>
+              <a:t>基因编辑中用新的</a:t>
+            </a:r>
+            <a:r>
+              <a:rPr lang="en-US" altLang="zh-CN" dirty="0"/>
+              <a:t>sgRNA-DNA</a:t>
+            </a:r>
+            <a:r>
+              <a:rPr lang="zh-CN" altLang="en-US" dirty="0"/>
+              <a:t>序列编码进行精准深度学习脱靶预测</a:t>
+            </a:r>
+          </a:p>
+        </p:txBody>
+      </p:sp>
       <p:sp>
         <p:nvSpPr>
           <p:cNvPr id="7" name="文本框 6">
@@ -4495,7 +4481,7 @@
           <p:nvPr/>
         </p:nvPicPr>
         <p:blipFill>
-          <a:blip r:embed="rId3"/>
+          <a:blip r:embed="rId2"/>
           <a:stretch>
             <a:fillRect/>
           </a:stretch>
@@ -4525,6 +4511,36 @@
           <p:nvPr/>
         </p:nvPicPr>
         <p:blipFill>
+          <a:blip r:embed="rId3"/>
+          <a:stretch>
+            <a:fillRect/>
+          </a:stretch>
+        </p:blipFill>
+        <p:spPr>
+          <a:xfrm>
+            <a:off x="4663627" y="2145381"/>
+            <a:ext cx="5798045" cy="3429000"/>
+          </a:xfrm>
+          <a:prstGeom prst="rect">
+            <a:avLst/>
+          </a:prstGeom>
+        </p:spPr>
+      </p:pic>
+      <p:pic>
+        <p:nvPicPr>
+          <p:cNvPr id="3" name="图片 2">
+            <a:extLst>
+              <a:ext uri="{FF2B5EF4-FFF2-40B4-BE49-F238E27FC236}">
+                <a16:creationId xmlns:a16="http://schemas.microsoft.com/office/drawing/2014/main" id="{2115EB22-AF75-4CE1-808B-2322402C1622}"/>
+              </a:ext>
+            </a:extLst>
+          </p:cNvPr>
+          <p:cNvPicPr>
+            <a:picLocks noChangeAspect="1"/>
+          </p:cNvPicPr>
+          <p:nvPr/>
+        </p:nvPicPr>
+        <p:blipFill>
           <a:blip r:embed="rId4"/>
           <a:stretch>
             <a:fillRect/>
@@ -4532,8 +4548,8 @@
         </p:blipFill>
         <p:spPr>
           <a:xfrm>
-            <a:off x="4663627" y="2145381"/>
-            <a:ext cx="5798045" cy="3429000"/>
+            <a:off x="1067179" y="1875473"/>
+            <a:ext cx="2802519" cy="4230554"/>
           </a:xfrm>
           <a:prstGeom prst="rect">
             <a:avLst/>
@@ -4725,7 +4741,7 @@
           <a:p>
             <a:r>
               <a:rPr lang="zh-CN" altLang="en-US" dirty="0"/>
-              <a:t>使用深度学习的</a:t>
+              <a:t>在</a:t>
             </a:r>
             <a:r>
               <a:rPr lang="en-US" altLang="zh-CN" dirty="0"/>
@@ -4733,7 +4749,15 @@
             </a:r>
             <a:r>
               <a:rPr lang="zh-CN" altLang="en-US" dirty="0"/>
-              <a:t>基因编辑中的脱靶预测</a:t>
+              <a:t>基因编辑中用新的</a:t>
+            </a:r>
+            <a:r>
+              <a:rPr lang="en-US" altLang="zh-CN" dirty="0"/>
+              <a:t>sgRNA-DNA</a:t>
+            </a:r>
+            <a:r>
+              <a:rPr lang="zh-CN" altLang="en-US" dirty="0"/>
+              <a:t>序列编码进行精准深度学习脱靶预测</a:t>
             </a:r>
             <a:br>
               <a:rPr lang="en-US" altLang="zh-CN" dirty="0"/>
@@ -4922,7 +4946,7 @@
           <a:p>
             <a:r>
               <a:rPr lang="zh-CN" altLang="en-US" dirty="0"/>
-              <a:t>使用深度学习的</a:t>
+              <a:t>在</a:t>
             </a:r>
             <a:r>
               <a:rPr lang="en-US" altLang="zh-CN" dirty="0"/>
@@ -4930,7 +4954,15 @@
             </a:r>
             <a:r>
               <a:rPr lang="zh-CN" altLang="en-US" dirty="0"/>
-              <a:t>基因编辑中的脱靶预测</a:t>
+              <a:t>基因编辑中用新的</a:t>
+            </a:r>
+            <a:r>
+              <a:rPr lang="en-US" altLang="zh-CN" dirty="0"/>
+              <a:t>sgRNA-DNA</a:t>
+            </a:r>
+            <a:r>
+              <a:rPr lang="zh-CN" altLang="en-US" dirty="0"/>
+              <a:t>序列编码进行精准深度学习脱靶预测</a:t>
             </a:r>
             <a:br>
               <a:rPr lang="en-US" altLang="zh-CN" dirty="0"/>
@@ -5065,8 +5097,8 @@
           </a:prstGeom>
         </p:spPr>
       </p:pic>
-      <mc:AlternateContent xmlns:mc="http://schemas.openxmlformats.org/markup-compatibility/2006">
-        <mc:Choice xmlns:p14="http://schemas.microsoft.com/office/powerpoint/2010/main" Requires="p14">
+      <mc:AlternateContent xmlns:mc="http://schemas.openxmlformats.org/markup-compatibility/2006" xmlns:p14="http://schemas.microsoft.com/office/powerpoint/2010/main">
+        <mc:Choice Requires="p14">
           <p:contentPart p14:bwMode="auto" r:id="rId3">
             <p14:nvContentPartPr>
               <p14:cNvPr id="4" name="墨迹 3">
@@ -5085,7 +5117,7 @@
             </p14:xfrm>
           </p:contentPart>
         </mc:Choice>
-        <mc:Fallback>
+        <mc:Fallback xmlns="">
           <p:pic>
             <p:nvPicPr>
               <p:cNvPr id="4" name="墨迹 3">
@@ -5116,8 +5148,8 @@
           </p:pic>
         </mc:Fallback>
       </mc:AlternateContent>
-      <mc:AlternateContent xmlns:mc="http://schemas.openxmlformats.org/markup-compatibility/2006">
-        <mc:Choice xmlns:p14="http://schemas.microsoft.com/office/powerpoint/2010/main" Requires="p14">
+      <mc:AlternateContent xmlns:mc="http://schemas.openxmlformats.org/markup-compatibility/2006" xmlns:p14="http://schemas.microsoft.com/office/powerpoint/2010/main">
+        <mc:Choice Requires="p14">
           <p:contentPart p14:bwMode="auto" r:id="rId5">
             <p14:nvContentPartPr>
               <p14:cNvPr id="6" name="墨迹 5">
@@ -5136,7 +5168,7 @@
             </p14:xfrm>
           </p:contentPart>
         </mc:Choice>
-        <mc:Fallback>
+        <mc:Fallback xmlns="">
           <p:pic>
             <p:nvPicPr>
               <p:cNvPr id="6" name="墨迹 5">
@@ -5167,8 +5199,8 @@
           </p:pic>
         </mc:Fallback>
       </mc:AlternateContent>
-      <mc:AlternateContent xmlns:mc="http://schemas.openxmlformats.org/markup-compatibility/2006">
-        <mc:Choice xmlns:p14="http://schemas.microsoft.com/office/powerpoint/2010/main" Requires="p14">
+      <mc:AlternateContent xmlns:mc="http://schemas.openxmlformats.org/markup-compatibility/2006" xmlns:p14="http://schemas.microsoft.com/office/powerpoint/2010/main">
+        <mc:Choice Requires="p14">
           <p:contentPart p14:bwMode="auto" r:id="rId7">
             <p14:nvContentPartPr>
               <p14:cNvPr id="9" name="墨迹 8">
@@ -5187,7 +5219,7 @@
             </p14:xfrm>
           </p:contentPart>
         </mc:Choice>
-        <mc:Fallback>
+        <mc:Fallback xmlns="">
           <p:pic>
             <p:nvPicPr>
               <p:cNvPr id="9" name="墨迹 8">
@@ -5218,8 +5250,8 @@
           </p:pic>
         </mc:Fallback>
       </mc:AlternateContent>
-      <mc:AlternateContent xmlns:mc="http://schemas.openxmlformats.org/markup-compatibility/2006">
-        <mc:Choice xmlns:p14="http://schemas.microsoft.com/office/powerpoint/2010/main" Requires="p14">
+      <mc:AlternateContent xmlns:mc="http://schemas.openxmlformats.org/markup-compatibility/2006" xmlns:p14="http://schemas.microsoft.com/office/powerpoint/2010/main">
+        <mc:Choice Requires="p14">
           <p:contentPart p14:bwMode="auto" r:id="rId9">
             <p14:nvContentPartPr>
               <p14:cNvPr id="10" name="墨迹 9">
@@ -5238,7 +5270,7 @@
             </p14:xfrm>
           </p:contentPart>
         </mc:Choice>
-        <mc:Fallback>
+        <mc:Fallback xmlns="">
           <p:pic>
             <p:nvPicPr>
               <p:cNvPr id="10" name="墨迹 9">
@@ -5696,7 +5728,7 @@
           <a:p>
             <a:r>
               <a:rPr lang="zh-CN" altLang="en-US" dirty="0"/>
-              <a:t>使用深度学习的</a:t>
+              <a:t>在</a:t>
             </a:r>
             <a:r>
               <a:rPr lang="en-US" altLang="zh-CN" dirty="0"/>
@@ -5704,7 +5736,15 @@
             </a:r>
             <a:r>
               <a:rPr lang="zh-CN" altLang="en-US" dirty="0"/>
-              <a:t>基因编辑中的脱靶预测</a:t>
+              <a:t>基因编辑中用新的</a:t>
+            </a:r>
+            <a:r>
+              <a:rPr lang="en-US" altLang="zh-CN" dirty="0"/>
+              <a:t>sgRNA-DNA</a:t>
+            </a:r>
+            <a:r>
+              <a:rPr lang="zh-CN" altLang="en-US" dirty="0"/>
+              <a:t>序列编码进行精准深度学习脱靶预测</a:t>
             </a:r>
             <a:br>
               <a:rPr lang="en-US" altLang="zh-CN" dirty="0"/>
